--- a/media/slides/construct-2019.pptx
+++ b/media/slides/construct-2019.pptx
@@ -312,7 +312,7 @@
           <a:p>
             <a:fld id="{CCAF6733-F4F2-47BD-9D35-0071E852AF3A}" type="datetimeFigureOut">
               <a:rPr lang="en-US" smtClean="0"/>
-              <a:t>5/14/2019</a:t>
+              <a:t>5/22/2019</a:t>
             </a:fld>
             <a:endParaRPr lang="en-US"/>
           </a:p>
@@ -808,9 +808,9 @@
           <a:bodyPr/>
           <a:lstStyle/>
           <a:p>
-            <a:fld id="{98D0F346-3A7C-42BD-8024-74E6F53223A2}" type="datetimeFigureOut">
+            <a:fld id="{7220EA90-326F-44B6-A778-054F22B872B3}" type="datetime1">
               <a:rPr lang="en-US" smtClean="0"/>
-              <a:t>5/14/2019</a:t>
+              <a:t>5/22/2019</a:t>
             </a:fld>
             <a:endParaRPr lang="en-US"/>
           </a:p>
@@ -857,7 +857,12 @@
             <p:ph type="sldNum" sz="quarter" idx="12"/>
           </p:nvPr>
         </p:nvSpPr>
-        <p:spPr/>
+        <p:spPr>
+          <a:xfrm>
+            <a:off x="9339942" y="6356350"/>
+            <a:ext cx="2743200" cy="365125"/>
+          </a:xfrm>
+        </p:spPr>
         <p:txBody>
           <a:bodyPr/>
           <a:lstStyle/>
@@ -1006,9 +1011,9 @@
           <a:bodyPr/>
           <a:lstStyle/>
           <a:p>
-            <a:fld id="{98D0F346-3A7C-42BD-8024-74E6F53223A2}" type="datetimeFigureOut">
+            <a:fld id="{32AF5E49-C1FC-4386-979A-F20329AEAD2B}" type="datetime1">
               <a:rPr lang="en-US" smtClean="0"/>
-              <a:t>5/14/2019</a:t>
+              <a:t>5/22/2019</a:t>
             </a:fld>
             <a:endParaRPr lang="en-US"/>
           </a:p>
@@ -1214,9 +1219,9 @@
           <a:bodyPr/>
           <a:lstStyle/>
           <a:p>
-            <a:fld id="{98D0F346-3A7C-42BD-8024-74E6F53223A2}" type="datetimeFigureOut">
+            <a:fld id="{85DDD2BF-6343-4EBE-AB41-A0F4D7422E1C}" type="datetime1">
               <a:rPr lang="en-US" smtClean="0"/>
-              <a:t>5/14/2019</a:t>
+              <a:t>5/22/2019</a:t>
             </a:fld>
             <a:endParaRPr lang="en-US"/>
           </a:p>
@@ -1412,9 +1417,9 @@
           <a:bodyPr/>
           <a:lstStyle/>
           <a:p>
-            <a:fld id="{98D0F346-3A7C-42BD-8024-74E6F53223A2}" type="datetimeFigureOut">
+            <a:fld id="{15E11E03-D2BB-43BB-A1C1-67CCD1B888EE}" type="datetime1">
               <a:rPr lang="en-US" smtClean="0"/>
-              <a:t>5/14/2019</a:t>
+              <a:t>5/22/2019</a:t>
             </a:fld>
             <a:endParaRPr lang="en-US"/>
           </a:p>
@@ -1461,7 +1466,12 @@
             <p:ph type="sldNum" sz="quarter" idx="12"/>
           </p:nvPr>
         </p:nvSpPr>
-        <p:spPr/>
+        <p:spPr>
+          <a:xfrm>
+            <a:off x="9350832" y="6421666"/>
+            <a:ext cx="2743200" cy="365125"/>
+          </a:xfrm>
+        </p:spPr>
         <p:txBody>
           <a:bodyPr/>
           <a:lstStyle/>
@@ -1687,9 +1697,9 @@
           <a:bodyPr/>
           <a:lstStyle/>
           <a:p>
-            <a:fld id="{98D0F346-3A7C-42BD-8024-74E6F53223A2}" type="datetimeFigureOut">
+            <a:fld id="{765DA019-B879-4810-8EB0-0FF56DE167F0}" type="datetime1">
               <a:rPr lang="en-US" smtClean="0"/>
-              <a:t>5/14/2019</a:t>
+              <a:t>5/22/2019</a:t>
             </a:fld>
             <a:endParaRPr lang="en-US"/>
           </a:p>
@@ -1952,9 +1962,9 @@
           <a:bodyPr/>
           <a:lstStyle/>
           <a:p>
-            <a:fld id="{98D0F346-3A7C-42BD-8024-74E6F53223A2}" type="datetimeFigureOut">
+            <a:fld id="{FDCCB3AD-9FB6-4450-9866-971EB6811C19}" type="datetime1">
               <a:rPr lang="en-US" smtClean="0"/>
-              <a:t>5/14/2019</a:t>
+              <a:t>5/22/2019</a:t>
             </a:fld>
             <a:endParaRPr lang="en-US"/>
           </a:p>
@@ -2364,9 +2374,9 @@
           <a:bodyPr/>
           <a:lstStyle/>
           <a:p>
-            <a:fld id="{98D0F346-3A7C-42BD-8024-74E6F53223A2}" type="datetimeFigureOut">
+            <a:fld id="{574033BD-9330-4238-BFA6-B495855B9005}" type="datetime1">
               <a:rPr lang="en-US" smtClean="0"/>
-              <a:t>5/14/2019</a:t>
+              <a:t>5/22/2019</a:t>
             </a:fld>
             <a:endParaRPr lang="en-US"/>
           </a:p>
@@ -2505,9 +2515,9 @@
           <a:bodyPr/>
           <a:lstStyle/>
           <a:p>
-            <a:fld id="{98D0F346-3A7C-42BD-8024-74E6F53223A2}" type="datetimeFigureOut">
+            <a:fld id="{99C22BB5-20C8-4C72-BB5E-B1145A334AEC}" type="datetime1">
               <a:rPr lang="en-US" smtClean="0"/>
-              <a:t>5/14/2019</a:t>
+              <a:t>5/22/2019</a:t>
             </a:fld>
             <a:endParaRPr lang="en-US"/>
           </a:p>
@@ -2618,9 +2628,9 @@
           <a:bodyPr/>
           <a:lstStyle/>
           <a:p>
-            <a:fld id="{98D0F346-3A7C-42BD-8024-74E6F53223A2}" type="datetimeFigureOut">
+            <a:fld id="{2944E366-F4C5-48D5-99E0-3B1D22DE808B}" type="datetime1">
               <a:rPr lang="en-US" smtClean="0"/>
-              <a:t>5/14/2019</a:t>
+              <a:t>5/22/2019</a:t>
             </a:fld>
             <a:endParaRPr lang="en-US"/>
           </a:p>
@@ -2929,9 +2939,9 @@
           <a:bodyPr/>
           <a:lstStyle/>
           <a:p>
-            <a:fld id="{98D0F346-3A7C-42BD-8024-74E6F53223A2}" type="datetimeFigureOut">
+            <a:fld id="{AB0BFE5B-2F5A-429D-B088-6DB84BFF0F8B}" type="datetime1">
               <a:rPr lang="en-US" smtClean="0"/>
-              <a:t>5/14/2019</a:t>
+              <a:t>5/22/2019</a:t>
             </a:fld>
             <a:endParaRPr lang="en-US"/>
           </a:p>
@@ -3217,9 +3227,9 @@
           <a:bodyPr/>
           <a:lstStyle/>
           <a:p>
-            <a:fld id="{98D0F346-3A7C-42BD-8024-74E6F53223A2}" type="datetimeFigureOut">
+            <a:fld id="{719BED9A-C45B-4899-A8E2-08853EF2E4EB}" type="datetime1">
               <a:rPr lang="en-US" smtClean="0"/>
-              <a:t>5/14/2019</a:t>
+              <a:t>5/22/2019</a:t>
             </a:fld>
             <a:endParaRPr lang="en-US"/>
           </a:p>
@@ -3458,9 +3468,9 @@
             </a:lvl1pPr>
           </a:lstStyle>
           <a:p>
-            <a:fld id="{98D0F346-3A7C-42BD-8024-74E6F53223A2}" type="datetimeFigureOut">
+            <a:fld id="{1140E93E-B7B1-46A5-9EC9-C55A194D12CB}" type="datetime1">
               <a:rPr lang="en-US" smtClean="0"/>
-              <a:t>5/14/2019</a:t>
+              <a:t>5/22/2019</a:t>
             </a:fld>
             <a:endParaRPr lang="en-US"/>
           </a:p>
@@ -3577,6 +3587,7 @@
     <p:sldLayoutId id="2147483658" r:id="rId10"/>
     <p:sldLayoutId id="2147483659" r:id="rId11"/>
   </p:sldLayoutIdLst>
+  <p:hf hdr="0" ftr="0" dt="0"/>
   <p:txStyles>
     <p:titleStyle>
       <a:lvl1pPr algn="l" defTabSz="914400" rtl="0" eaLnBrk="1" latinLnBrk="0" hangingPunct="1">
@@ -4024,6 +4035,35 @@
           </a:p>
         </p:txBody>
       </p:sp>
+      <p:sp>
+        <p:nvSpPr>
+          <p:cNvPr id="5" name="Slide Number Placeholder 4">
+            <a:extLst>
+              <a:ext uri="{FF2B5EF4-FFF2-40B4-BE49-F238E27FC236}">
+                <a16:creationId xmlns:a16="http://schemas.microsoft.com/office/drawing/2014/main" id="{DF5CCBC1-068D-42AD-BE96-7E8D66AAA93A}"/>
+              </a:ext>
+            </a:extLst>
+          </p:cNvPr>
+          <p:cNvSpPr>
+            <a:spLocks noGrp="1"/>
+          </p:cNvSpPr>
+          <p:nvPr>
+            <p:ph type="sldNum" sz="quarter" idx="12"/>
+          </p:nvPr>
+        </p:nvSpPr>
+        <p:spPr/>
+        <p:txBody>
+          <a:bodyPr/>
+          <a:lstStyle/>
+          <a:p>
+            <a:fld id="{8FDF5A0B-092E-43F4-8C23-254F89D7A848}" type="slidenum">
+              <a:rPr lang="en-US" smtClean="0"/>
+              <a:t>1</a:t>
+            </a:fld>
+            <a:endParaRPr lang="en-US"/>
+          </a:p>
+        </p:txBody>
+      </p:sp>
     </p:spTree>
     <p:extLst>
       <p:ext uri="{BB962C8B-B14F-4D97-AF65-F5344CB8AC3E}">
@@ -4168,6 +4208,35 @@
               <a:rPr lang="en-US" sz="3600" dirty="0"/>
               <a:t>3. Meta-Consensus Problem</a:t>
             </a:r>
+          </a:p>
+        </p:txBody>
+      </p:sp>
+      <p:sp>
+        <p:nvSpPr>
+          <p:cNvPr id="3" name="Slide Number Placeholder 2">
+            <a:extLst>
+              <a:ext uri="{FF2B5EF4-FFF2-40B4-BE49-F238E27FC236}">
+                <a16:creationId xmlns:a16="http://schemas.microsoft.com/office/drawing/2014/main" id="{5CF9776E-5E6B-4AF5-B934-16958D502EA6}"/>
+              </a:ext>
+            </a:extLst>
+          </p:cNvPr>
+          <p:cNvSpPr>
+            <a:spLocks noGrp="1"/>
+          </p:cNvSpPr>
+          <p:nvPr>
+            <p:ph type="sldNum" sz="quarter" idx="12"/>
+          </p:nvPr>
+        </p:nvSpPr>
+        <p:spPr/>
+        <p:txBody>
+          <a:bodyPr/>
+          <a:lstStyle/>
+          <a:p>
+            <a:fld id="{8FDF5A0B-092E-43F4-8C23-254F89D7A848}" type="slidenum">
+              <a:rPr lang="en-US" smtClean="0"/>
+              <a:t>10</a:t>
+            </a:fld>
+            <a:endParaRPr lang="en-US"/>
           </a:p>
         </p:txBody>
       </p:sp>
@@ -4328,6 +4397,35 @@
           </a:p>
         </p:txBody>
       </p:sp>
+      <p:sp>
+        <p:nvSpPr>
+          <p:cNvPr id="2" name="Slide Number Placeholder 1">
+            <a:extLst>
+              <a:ext uri="{FF2B5EF4-FFF2-40B4-BE49-F238E27FC236}">
+                <a16:creationId xmlns:a16="http://schemas.microsoft.com/office/drawing/2014/main" id="{5C39B8A2-793C-41BD-B9AC-884A12E1DC04}"/>
+              </a:ext>
+            </a:extLst>
+          </p:cNvPr>
+          <p:cNvSpPr>
+            <a:spLocks noGrp="1"/>
+          </p:cNvSpPr>
+          <p:nvPr>
+            <p:ph type="sldNum" sz="quarter" idx="12"/>
+          </p:nvPr>
+        </p:nvSpPr>
+        <p:spPr/>
+        <p:txBody>
+          <a:bodyPr/>
+          <a:lstStyle/>
+          <a:p>
+            <a:fld id="{8FDF5A0B-092E-43F4-8C23-254F89D7A848}" type="slidenum">
+              <a:rPr lang="en-US" smtClean="0"/>
+              <a:t>11</a:t>
+            </a:fld>
+            <a:endParaRPr lang="en-US"/>
+          </a:p>
+        </p:txBody>
+      </p:sp>
     </p:spTree>
     <p:extLst>
       <p:ext uri="{BB962C8B-B14F-4D97-AF65-F5344CB8AC3E}">
@@ -4592,6 +4690,35 @@
               </a:rPr>
               <a:t>This software requires a BTC Core Node.</a:t>
             </a:r>
+          </a:p>
+        </p:txBody>
+      </p:sp>
+      <p:sp>
+        <p:nvSpPr>
+          <p:cNvPr id="6" name="Slide Number Placeholder 5">
+            <a:extLst>
+              <a:ext uri="{FF2B5EF4-FFF2-40B4-BE49-F238E27FC236}">
+                <a16:creationId xmlns:a16="http://schemas.microsoft.com/office/drawing/2014/main" id="{049B1211-F41A-4399-AD5F-E0B2A426D4F1}"/>
+              </a:ext>
+            </a:extLst>
+          </p:cNvPr>
+          <p:cNvSpPr>
+            <a:spLocks noGrp="1"/>
+          </p:cNvSpPr>
+          <p:nvPr>
+            <p:ph type="sldNum" sz="quarter" idx="12"/>
+          </p:nvPr>
+        </p:nvSpPr>
+        <p:spPr/>
+        <p:txBody>
+          <a:bodyPr/>
+          <a:lstStyle/>
+          <a:p>
+            <a:fld id="{8FDF5A0B-092E-43F4-8C23-254F89D7A848}" type="slidenum">
+              <a:rPr lang="en-US" smtClean="0"/>
+              <a:t>12</a:t>
+            </a:fld>
+            <a:endParaRPr lang="en-US"/>
           </a:p>
         </p:txBody>
       </p:sp>
@@ -4816,6 +4943,35 @@
           </a:p>
         </p:txBody>
       </p:sp>
+      <p:sp>
+        <p:nvSpPr>
+          <p:cNvPr id="2" name="Slide Number Placeholder 1">
+            <a:extLst>
+              <a:ext uri="{FF2B5EF4-FFF2-40B4-BE49-F238E27FC236}">
+                <a16:creationId xmlns:a16="http://schemas.microsoft.com/office/drawing/2014/main" id="{8AB03524-3B96-40AE-8AAE-0CE6017CA6A1}"/>
+              </a:ext>
+            </a:extLst>
+          </p:cNvPr>
+          <p:cNvSpPr>
+            <a:spLocks noGrp="1"/>
+          </p:cNvSpPr>
+          <p:nvPr>
+            <p:ph type="sldNum" sz="quarter" idx="12"/>
+          </p:nvPr>
+        </p:nvSpPr>
+        <p:spPr/>
+        <p:txBody>
+          <a:bodyPr/>
+          <a:lstStyle/>
+          <a:p>
+            <a:fld id="{8FDF5A0B-092E-43F4-8C23-254F89D7A848}" type="slidenum">
+              <a:rPr lang="en-US" smtClean="0"/>
+              <a:t>13</a:t>
+            </a:fld>
+            <a:endParaRPr lang="en-US"/>
+          </a:p>
+        </p:txBody>
+      </p:sp>
     </p:spTree>
     <p:extLst>
       <p:ext uri="{BB962C8B-B14F-4D97-AF65-F5344CB8AC3E}">
@@ -6459,6 +6615,35 @@
               <a:rPr lang="en-US" sz="2800" dirty="0"/>
               <a:t>On layer-1:</a:t>
             </a:r>
+          </a:p>
+        </p:txBody>
+      </p:sp>
+      <p:sp>
+        <p:nvSpPr>
+          <p:cNvPr id="2" name="Slide Number Placeholder 1">
+            <a:extLst>
+              <a:ext uri="{FF2B5EF4-FFF2-40B4-BE49-F238E27FC236}">
+                <a16:creationId xmlns:a16="http://schemas.microsoft.com/office/drawing/2014/main" id="{B8506CEE-D486-4C2E-8AA6-1D027E4ECBA9}"/>
+              </a:ext>
+            </a:extLst>
+          </p:cNvPr>
+          <p:cNvSpPr>
+            <a:spLocks noGrp="1"/>
+          </p:cNvSpPr>
+          <p:nvPr>
+            <p:ph type="sldNum" sz="quarter" idx="12"/>
+          </p:nvPr>
+        </p:nvSpPr>
+        <p:spPr/>
+        <p:txBody>
+          <a:bodyPr/>
+          <a:lstStyle/>
+          <a:p>
+            <a:fld id="{8FDF5A0B-092E-43F4-8C23-254F89D7A848}" type="slidenum">
+              <a:rPr lang="en-US" smtClean="0"/>
+              <a:t>14</a:t>
+            </a:fld>
+            <a:endParaRPr lang="en-US"/>
           </a:p>
         </p:txBody>
       </p:sp>
@@ -8309,6 +8494,35 @@
               <a:rPr lang="en-US" sz="2800" dirty="0"/>
               <a:t>On layer-1:</a:t>
             </a:r>
+          </a:p>
+        </p:txBody>
+      </p:sp>
+      <p:sp>
+        <p:nvSpPr>
+          <p:cNvPr id="2" name="Slide Number Placeholder 1">
+            <a:extLst>
+              <a:ext uri="{FF2B5EF4-FFF2-40B4-BE49-F238E27FC236}">
+                <a16:creationId xmlns:a16="http://schemas.microsoft.com/office/drawing/2014/main" id="{F70AB688-285E-4102-B513-6A4A7915F3D4}"/>
+              </a:ext>
+            </a:extLst>
+          </p:cNvPr>
+          <p:cNvSpPr>
+            <a:spLocks noGrp="1"/>
+          </p:cNvSpPr>
+          <p:nvPr>
+            <p:ph type="sldNum" sz="quarter" idx="12"/>
+          </p:nvPr>
+        </p:nvSpPr>
+        <p:spPr/>
+        <p:txBody>
+          <a:bodyPr/>
+          <a:lstStyle/>
+          <a:p>
+            <a:fld id="{8FDF5A0B-092E-43F4-8C23-254F89D7A848}" type="slidenum">
+              <a:rPr lang="en-US" smtClean="0"/>
+              <a:t>15</a:t>
+            </a:fld>
+            <a:endParaRPr lang="en-US"/>
           </a:p>
         </p:txBody>
       </p:sp>
@@ -9783,6 +9997,35 @@
           </a:p>
         </p:txBody>
       </p:sp>
+      <p:sp>
+        <p:nvSpPr>
+          <p:cNvPr id="5" name="Slide Number Placeholder 4">
+            <a:extLst>
+              <a:ext uri="{FF2B5EF4-FFF2-40B4-BE49-F238E27FC236}">
+                <a16:creationId xmlns:a16="http://schemas.microsoft.com/office/drawing/2014/main" id="{C8C9C93A-FB40-4942-807D-C0F63CB3373A}"/>
+              </a:ext>
+            </a:extLst>
+          </p:cNvPr>
+          <p:cNvSpPr>
+            <a:spLocks noGrp="1"/>
+          </p:cNvSpPr>
+          <p:nvPr>
+            <p:ph type="sldNum" sz="quarter" idx="12"/>
+          </p:nvPr>
+        </p:nvSpPr>
+        <p:spPr/>
+        <p:txBody>
+          <a:bodyPr/>
+          <a:lstStyle/>
+          <a:p>
+            <a:fld id="{8FDF5A0B-092E-43F4-8C23-254F89D7A848}" type="slidenum">
+              <a:rPr lang="en-US" smtClean="0"/>
+              <a:t>16</a:t>
+            </a:fld>
+            <a:endParaRPr lang="en-US"/>
+          </a:p>
+        </p:txBody>
+      </p:sp>
     </p:spTree>
     <p:extLst>
       <p:ext uri="{BB962C8B-B14F-4D97-AF65-F5344CB8AC3E}">
@@ -10053,6 +10296,35 @@
                 <a:schemeClr val="tx1"/>
               </a:solidFill>
             </a:endParaRPr>
+          </a:p>
+        </p:txBody>
+      </p:sp>
+      <p:sp>
+        <p:nvSpPr>
+          <p:cNvPr id="3" name="Slide Number Placeholder 2">
+            <a:extLst>
+              <a:ext uri="{FF2B5EF4-FFF2-40B4-BE49-F238E27FC236}">
+                <a16:creationId xmlns:a16="http://schemas.microsoft.com/office/drawing/2014/main" id="{5DE1D422-5147-43D6-964B-984F63D61893}"/>
+              </a:ext>
+            </a:extLst>
+          </p:cNvPr>
+          <p:cNvSpPr>
+            <a:spLocks noGrp="1"/>
+          </p:cNvSpPr>
+          <p:nvPr>
+            <p:ph type="sldNum" sz="quarter" idx="12"/>
+          </p:nvPr>
+        </p:nvSpPr>
+        <p:spPr/>
+        <p:txBody>
+          <a:bodyPr/>
+          <a:lstStyle/>
+          <a:p>
+            <a:fld id="{8FDF5A0B-092E-43F4-8C23-254F89D7A848}" type="slidenum">
+              <a:rPr lang="en-US" smtClean="0"/>
+              <a:t>17</a:t>
+            </a:fld>
+            <a:endParaRPr lang="en-US"/>
           </a:p>
         </p:txBody>
       </p:sp>
@@ -12400,6 +12672,35 @@
           </a:p>
         </p:txBody>
       </p:sp>
+      <p:sp>
+        <p:nvSpPr>
+          <p:cNvPr id="2" name="Slide Number Placeholder 1">
+            <a:extLst>
+              <a:ext uri="{FF2B5EF4-FFF2-40B4-BE49-F238E27FC236}">
+                <a16:creationId xmlns:a16="http://schemas.microsoft.com/office/drawing/2014/main" id="{6F39A16A-455B-49FB-BA39-CB4838EF4C95}"/>
+              </a:ext>
+            </a:extLst>
+          </p:cNvPr>
+          <p:cNvSpPr>
+            <a:spLocks noGrp="1"/>
+          </p:cNvSpPr>
+          <p:nvPr>
+            <p:ph type="sldNum" sz="quarter" idx="12"/>
+          </p:nvPr>
+        </p:nvSpPr>
+        <p:spPr/>
+        <p:txBody>
+          <a:bodyPr/>
+          <a:lstStyle/>
+          <a:p>
+            <a:fld id="{8FDF5A0B-092E-43F4-8C23-254F89D7A848}" type="slidenum">
+              <a:rPr lang="en-US" smtClean="0"/>
+              <a:t>18</a:t>
+            </a:fld>
+            <a:endParaRPr lang="en-US"/>
+          </a:p>
+        </p:txBody>
+      </p:sp>
     </p:spTree>
     <p:extLst>
       <p:ext uri="{BB962C8B-B14F-4D97-AF65-F5344CB8AC3E}">
@@ -14938,6 +15239,35 @@
               </a:rPr>
               <a:t>…and these 114.</a:t>
             </a:r>
+          </a:p>
+        </p:txBody>
+      </p:sp>
+      <p:sp>
+        <p:nvSpPr>
+          <p:cNvPr id="3" name="Slide Number Placeholder 2">
+            <a:extLst>
+              <a:ext uri="{FF2B5EF4-FFF2-40B4-BE49-F238E27FC236}">
+                <a16:creationId xmlns:a16="http://schemas.microsoft.com/office/drawing/2014/main" id="{FC69B5A6-7FEF-42F4-B4A2-576D1778D6EF}"/>
+              </a:ext>
+            </a:extLst>
+          </p:cNvPr>
+          <p:cNvSpPr>
+            <a:spLocks noGrp="1"/>
+          </p:cNvSpPr>
+          <p:nvPr>
+            <p:ph type="sldNum" sz="quarter" idx="12"/>
+          </p:nvPr>
+        </p:nvSpPr>
+        <p:spPr/>
+        <p:txBody>
+          <a:bodyPr/>
+          <a:lstStyle/>
+          <a:p>
+            <a:fld id="{8FDF5A0B-092E-43F4-8C23-254F89D7A848}" type="slidenum">
+              <a:rPr lang="en-US" smtClean="0"/>
+              <a:t>19</a:t>
+            </a:fld>
+            <a:endParaRPr lang="en-US"/>
           </a:p>
         </p:txBody>
       </p:sp>
@@ -15081,6 +15411,35 @@
           </a:p>
         </p:txBody>
       </p:sp>
+      <p:sp>
+        <p:nvSpPr>
+          <p:cNvPr id="4" name="Slide Number Placeholder 3">
+            <a:extLst>
+              <a:ext uri="{FF2B5EF4-FFF2-40B4-BE49-F238E27FC236}">
+                <a16:creationId xmlns:a16="http://schemas.microsoft.com/office/drawing/2014/main" id="{D32C4544-67AB-447F-A91D-17B6AAC2E223}"/>
+              </a:ext>
+            </a:extLst>
+          </p:cNvPr>
+          <p:cNvSpPr>
+            <a:spLocks noGrp="1"/>
+          </p:cNvSpPr>
+          <p:nvPr>
+            <p:ph type="sldNum" sz="quarter" idx="12"/>
+          </p:nvPr>
+        </p:nvSpPr>
+        <p:spPr/>
+        <p:txBody>
+          <a:bodyPr/>
+          <a:lstStyle/>
+          <a:p>
+            <a:fld id="{8FDF5A0B-092E-43F4-8C23-254F89D7A848}" type="slidenum">
+              <a:rPr lang="en-US" smtClean="0"/>
+              <a:t>2</a:t>
+            </a:fld>
+            <a:endParaRPr lang="en-US"/>
+          </a:p>
+        </p:txBody>
+      </p:sp>
     </p:spTree>
     <p:extLst>
       <p:ext uri="{BB962C8B-B14F-4D97-AF65-F5344CB8AC3E}">
@@ -17010,6 +17369,35 @@
               <a:rPr lang="en-US" sz="2800" dirty="0"/>
               <a:t>32 bytes</a:t>
             </a:r>
+          </a:p>
+        </p:txBody>
+      </p:sp>
+      <p:sp>
+        <p:nvSpPr>
+          <p:cNvPr id="5" name="Slide Number Placeholder 4">
+            <a:extLst>
+              <a:ext uri="{FF2B5EF4-FFF2-40B4-BE49-F238E27FC236}">
+                <a16:creationId xmlns:a16="http://schemas.microsoft.com/office/drawing/2014/main" id="{E0A40E9C-154B-49BE-9D98-F402318D1C74}"/>
+              </a:ext>
+            </a:extLst>
+          </p:cNvPr>
+          <p:cNvSpPr>
+            <a:spLocks noGrp="1"/>
+          </p:cNvSpPr>
+          <p:nvPr>
+            <p:ph type="sldNum" sz="quarter" idx="12"/>
+          </p:nvPr>
+        </p:nvSpPr>
+        <p:spPr/>
+        <p:txBody>
+          <a:bodyPr/>
+          <a:lstStyle/>
+          <a:p>
+            <a:fld id="{8FDF5A0B-092E-43F4-8C23-254F89D7A848}" type="slidenum">
+              <a:rPr lang="en-US" smtClean="0"/>
+              <a:t>20</a:t>
+            </a:fld>
+            <a:endParaRPr lang="en-US"/>
           </a:p>
         </p:txBody>
       </p:sp>
@@ -17368,6 +17756,35 @@
           </a:p>
         </p:txBody>
       </p:sp>
+      <p:sp>
+        <p:nvSpPr>
+          <p:cNvPr id="10" name="Slide Number Placeholder 9">
+            <a:extLst>
+              <a:ext uri="{FF2B5EF4-FFF2-40B4-BE49-F238E27FC236}">
+                <a16:creationId xmlns:a16="http://schemas.microsoft.com/office/drawing/2014/main" id="{D968CA8C-C2D9-4733-AB37-58B4766A2BF3}"/>
+              </a:ext>
+            </a:extLst>
+          </p:cNvPr>
+          <p:cNvSpPr>
+            <a:spLocks noGrp="1"/>
+          </p:cNvSpPr>
+          <p:nvPr>
+            <p:ph type="sldNum" sz="quarter" idx="12"/>
+          </p:nvPr>
+        </p:nvSpPr>
+        <p:spPr/>
+        <p:txBody>
+          <a:bodyPr/>
+          <a:lstStyle/>
+          <a:p>
+            <a:fld id="{8FDF5A0B-092E-43F4-8C23-254F89D7A848}" type="slidenum">
+              <a:rPr lang="en-US" smtClean="0"/>
+              <a:t>21</a:t>
+            </a:fld>
+            <a:endParaRPr lang="en-US"/>
+          </a:p>
+        </p:txBody>
+      </p:sp>
     </p:spTree>
     <p:extLst>
       <p:ext uri="{BB962C8B-B14F-4D97-AF65-F5344CB8AC3E}">
@@ -18722,6 +19139,35 @@
           </a:fontRef>
         </p:style>
       </p:cxnSp>
+      <p:sp>
+        <p:nvSpPr>
+          <p:cNvPr id="3" name="Slide Number Placeholder 2">
+            <a:extLst>
+              <a:ext uri="{FF2B5EF4-FFF2-40B4-BE49-F238E27FC236}">
+                <a16:creationId xmlns:a16="http://schemas.microsoft.com/office/drawing/2014/main" id="{0E9C835D-3A50-4609-9F79-5E5AE5872611}"/>
+              </a:ext>
+            </a:extLst>
+          </p:cNvPr>
+          <p:cNvSpPr>
+            <a:spLocks noGrp="1"/>
+          </p:cNvSpPr>
+          <p:nvPr>
+            <p:ph type="sldNum" sz="quarter" idx="12"/>
+          </p:nvPr>
+        </p:nvSpPr>
+        <p:spPr/>
+        <p:txBody>
+          <a:bodyPr/>
+          <a:lstStyle/>
+          <a:p>
+            <a:fld id="{8FDF5A0B-092E-43F4-8C23-254F89D7A848}" type="slidenum">
+              <a:rPr lang="en-US" smtClean="0"/>
+              <a:t>22</a:t>
+            </a:fld>
+            <a:endParaRPr lang="en-US"/>
+          </a:p>
+        </p:txBody>
+      </p:sp>
     </p:spTree>
     <p:extLst>
       <p:ext uri="{BB962C8B-B14F-4D97-AF65-F5344CB8AC3E}">
@@ -20100,6 +20546,35 @@
               <a:t>Miners</a:t>
             </a:r>
             <a:endParaRPr lang="en-US" b="1" dirty="0"/>
+          </a:p>
+        </p:txBody>
+      </p:sp>
+      <p:sp>
+        <p:nvSpPr>
+          <p:cNvPr id="4" name="Slide Number Placeholder 3">
+            <a:extLst>
+              <a:ext uri="{FF2B5EF4-FFF2-40B4-BE49-F238E27FC236}">
+                <a16:creationId xmlns:a16="http://schemas.microsoft.com/office/drawing/2014/main" id="{E65E140C-0795-44BE-9B17-7E9F88EFC2F3}"/>
+              </a:ext>
+            </a:extLst>
+          </p:cNvPr>
+          <p:cNvSpPr>
+            <a:spLocks noGrp="1"/>
+          </p:cNvSpPr>
+          <p:nvPr>
+            <p:ph type="sldNum" sz="quarter" idx="12"/>
+          </p:nvPr>
+        </p:nvSpPr>
+        <p:spPr/>
+        <p:txBody>
+          <a:bodyPr/>
+          <a:lstStyle/>
+          <a:p>
+            <a:fld id="{8FDF5A0B-092E-43F4-8C23-254F89D7A848}" type="slidenum">
+              <a:rPr lang="en-US" smtClean="0"/>
+              <a:t>23</a:t>
+            </a:fld>
+            <a:endParaRPr lang="en-US"/>
           </a:p>
         </p:txBody>
       </p:sp>
@@ -21886,6 +22361,35 @@
               <a:rPr lang="en-US" sz="2400" b="1" dirty="0"/>
               <a:t>Erik</a:t>
             </a:r>
+          </a:p>
+        </p:txBody>
+      </p:sp>
+      <p:sp>
+        <p:nvSpPr>
+          <p:cNvPr id="2" name="Slide Number Placeholder 1">
+            <a:extLst>
+              <a:ext uri="{FF2B5EF4-FFF2-40B4-BE49-F238E27FC236}">
+                <a16:creationId xmlns:a16="http://schemas.microsoft.com/office/drawing/2014/main" id="{1A332CA8-F895-4BC9-875D-F866EA5EA673}"/>
+              </a:ext>
+            </a:extLst>
+          </p:cNvPr>
+          <p:cNvSpPr>
+            <a:spLocks noGrp="1"/>
+          </p:cNvSpPr>
+          <p:nvPr>
+            <p:ph type="sldNum" sz="quarter" idx="12"/>
+          </p:nvPr>
+        </p:nvSpPr>
+        <p:spPr/>
+        <p:txBody>
+          <a:bodyPr/>
+          <a:lstStyle/>
+          <a:p>
+            <a:fld id="{8FDF5A0B-092E-43F4-8C23-254F89D7A848}" type="slidenum">
+              <a:rPr lang="en-US" smtClean="0"/>
+              <a:t>24</a:t>
+            </a:fld>
+            <a:endParaRPr lang="en-US"/>
           </a:p>
         </p:txBody>
       </p:sp>
@@ -22129,6 +22633,35 @@
           </a:graphicData>
         </a:graphic>
       </p:graphicFrame>
+      <p:sp>
+        <p:nvSpPr>
+          <p:cNvPr id="3" name="Slide Number Placeholder 2">
+            <a:extLst>
+              <a:ext uri="{FF2B5EF4-FFF2-40B4-BE49-F238E27FC236}">
+                <a16:creationId xmlns:a16="http://schemas.microsoft.com/office/drawing/2014/main" id="{A2ED3458-1A70-49E0-A6BA-AB393FDEE2DE}"/>
+              </a:ext>
+            </a:extLst>
+          </p:cNvPr>
+          <p:cNvSpPr>
+            <a:spLocks noGrp="1"/>
+          </p:cNvSpPr>
+          <p:nvPr>
+            <p:ph type="sldNum" sz="quarter" idx="12"/>
+          </p:nvPr>
+        </p:nvSpPr>
+        <p:spPr/>
+        <p:txBody>
+          <a:bodyPr/>
+          <a:lstStyle/>
+          <a:p>
+            <a:fld id="{8FDF5A0B-092E-43F4-8C23-254F89D7A848}" type="slidenum">
+              <a:rPr lang="en-US" smtClean="0"/>
+              <a:t>25</a:t>
+            </a:fld>
+            <a:endParaRPr lang="en-US"/>
+          </a:p>
+        </p:txBody>
+      </p:sp>
     </p:spTree>
     <p:extLst>
       <p:ext uri="{BB962C8B-B14F-4D97-AF65-F5344CB8AC3E}">
@@ -22396,6 +22929,35 @@
           </a:graphicData>
         </a:graphic>
       </p:graphicFrame>
+      <p:sp>
+        <p:nvSpPr>
+          <p:cNvPr id="5" name="Slide Number Placeholder 4">
+            <a:extLst>
+              <a:ext uri="{FF2B5EF4-FFF2-40B4-BE49-F238E27FC236}">
+                <a16:creationId xmlns:a16="http://schemas.microsoft.com/office/drawing/2014/main" id="{04AAE4B6-C925-4012-AB68-422FFFC1AE65}"/>
+              </a:ext>
+            </a:extLst>
+          </p:cNvPr>
+          <p:cNvSpPr>
+            <a:spLocks noGrp="1"/>
+          </p:cNvSpPr>
+          <p:nvPr>
+            <p:ph type="sldNum" sz="quarter" idx="12"/>
+          </p:nvPr>
+        </p:nvSpPr>
+        <p:spPr/>
+        <p:txBody>
+          <a:bodyPr/>
+          <a:lstStyle/>
+          <a:p>
+            <a:fld id="{8FDF5A0B-092E-43F4-8C23-254F89D7A848}" type="slidenum">
+              <a:rPr lang="en-US" smtClean="0"/>
+              <a:t>26</a:t>
+            </a:fld>
+            <a:endParaRPr lang="en-US"/>
+          </a:p>
+        </p:txBody>
+      </p:sp>
     </p:spTree>
     <p:extLst>
       <p:ext uri="{BB962C8B-B14F-4D97-AF65-F5344CB8AC3E}">
@@ -22682,6 +23244,35 @@
           </a:graphicData>
         </a:graphic>
       </p:graphicFrame>
+      <p:sp>
+        <p:nvSpPr>
+          <p:cNvPr id="4" name="Slide Number Placeholder 3">
+            <a:extLst>
+              <a:ext uri="{FF2B5EF4-FFF2-40B4-BE49-F238E27FC236}">
+                <a16:creationId xmlns:a16="http://schemas.microsoft.com/office/drawing/2014/main" id="{21578086-CB83-44B9-9D9E-C5037E9388EA}"/>
+              </a:ext>
+            </a:extLst>
+          </p:cNvPr>
+          <p:cNvSpPr>
+            <a:spLocks noGrp="1"/>
+          </p:cNvSpPr>
+          <p:nvPr>
+            <p:ph type="sldNum" sz="quarter" idx="12"/>
+          </p:nvPr>
+        </p:nvSpPr>
+        <p:spPr/>
+        <p:txBody>
+          <a:bodyPr/>
+          <a:lstStyle/>
+          <a:p>
+            <a:fld id="{8FDF5A0B-092E-43F4-8C23-254F89D7A848}" type="slidenum">
+              <a:rPr lang="en-US" smtClean="0"/>
+              <a:t>27</a:t>
+            </a:fld>
+            <a:endParaRPr lang="en-US"/>
+          </a:p>
+        </p:txBody>
+      </p:sp>
     </p:spTree>
     <p:extLst>
       <p:ext uri="{BB962C8B-B14F-4D97-AF65-F5344CB8AC3E}">
@@ -24652,6 +25243,35 @@
           </a:extLst>
         </p:spPr>
       </p:pic>
+      <p:sp>
+        <p:nvSpPr>
+          <p:cNvPr id="6" name="Slide Number Placeholder 5">
+            <a:extLst>
+              <a:ext uri="{FF2B5EF4-FFF2-40B4-BE49-F238E27FC236}">
+                <a16:creationId xmlns:a16="http://schemas.microsoft.com/office/drawing/2014/main" id="{37D3FCF0-372C-4B58-8665-B6FD1739FFF5}"/>
+              </a:ext>
+            </a:extLst>
+          </p:cNvPr>
+          <p:cNvSpPr>
+            <a:spLocks noGrp="1"/>
+          </p:cNvSpPr>
+          <p:nvPr>
+            <p:ph type="sldNum" sz="quarter" idx="12"/>
+          </p:nvPr>
+        </p:nvSpPr>
+        <p:spPr/>
+        <p:txBody>
+          <a:bodyPr/>
+          <a:lstStyle/>
+          <a:p>
+            <a:fld id="{8FDF5A0B-092E-43F4-8C23-254F89D7A848}" type="slidenum">
+              <a:rPr lang="en-US" smtClean="0"/>
+              <a:t>28</a:t>
+            </a:fld>
+            <a:endParaRPr lang="en-US"/>
+          </a:p>
+        </p:txBody>
+      </p:sp>
     </p:spTree>
     <p:extLst>
       <p:ext uri="{BB962C8B-B14F-4D97-AF65-F5344CB8AC3E}">
@@ -26031,6 +26651,35 @@
               <a:t>Miners</a:t>
             </a:r>
             <a:endParaRPr lang="en-US" b="1" dirty="0"/>
+          </a:p>
+        </p:txBody>
+      </p:sp>
+      <p:sp>
+        <p:nvSpPr>
+          <p:cNvPr id="4" name="Slide Number Placeholder 3">
+            <a:extLst>
+              <a:ext uri="{FF2B5EF4-FFF2-40B4-BE49-F238E27FC236}">
+                <a16:creationId xmlns:a16="http://schemas.microsoft.com/office/drawing/2014/main" id="{8B3CC36C-085F-49D7-8171-3F103DC0FF17}"/>
+              </a:ext>
+            </a:extLst>
+          </p:cNvPr>
+          <p:cNvSpPr>
+            <a:spLocks noGrp="1"/>
+          </p:cNvSpPr>
+          <p:nvPr>
+            <p:ph type="sldNum" sz="quarter" idx="12"/>
+          </p:nvPr>
+        </p:nvSpPr>
+        <p:spPr/>
+        <p:txBody>
+          <a:bodyPr/>
+          <a:lstStyle/>
+          <a:p>
+            <a:fld id="{8FDF5A0B-092E-43F4-8C23-254F89D7A848}" type="slidenum">
+              <a:rPr lang="en-US" smtClean="0"/>
+              <a:t>29</a:t>
+            </a:fld>
+            <a:endParaRPr lang="en-US"/>
           </a:p>
         </p:txBody>
       </p:sp>
@@ -26305,6 +26954,35 @@
               <a:rPr lang="en-US" dirty="0"/>
               <a:t>GitHub</a:t>
             </a:r>
+          </a:p>
+        </p:txBody>
+      </p:sp>
+      <p:sp>
+        <p:nvSpPr>
+          <p:cNvPr id="8" name="Slide Number Placeholder 7">
+            <a:extLst>
+              <a:ext uri="{FF2B5EF4-FFF2-40B4-BE49-F238E27FC236}">
+                <a16:creationId xmlns:a16="http://schemas.microsoft.com/office/drawing/2014/main" id="{647BC849-4654-4846-BC07-7E31C60C60C4}"/>
+              </a:ext>
+            </a:extLst>
+          </p:cNvPr>
+          <p:cNvSpPr>
+            <a:spLocks noGrp="1"/>
+          </p:cNvSpPr>
+          <p:nvPr>
+            <p:ph type="sldNum" sz="quarter" idx="12"/>
+          </p:nvPr>
+        </p:nvSpPr>
+        <p:spPr/>
+        <p:txBody>
+          <a:bodyPr/>
+          <a:lstStyle/>
+          <a:p>
+            <a:fld id="{8FDF5A0B-092E-43F4-8C23-254F89D7A848}" type="slidenum">
+              <a:rPr lang="en-US" smtClean="0"/>
+              <a:t>3</a:t>
+            </a:fld>
+            <a:endParaRPr lang="en-US"/>
           </a:p>
         </p:txBody>
       </p:sp>
@@ -27952,6 +28630,35 @@
           </a:extLst>
         </p:spPr>
       </p:pic>
+      <p:sp>
+        <p:nvSpPr>
+          <p:cNvPr id="5" name="Slide Number Placeholder 4">
+            <a:extLst>
+              <a:ext uri="{FF2B5EF4-FFF2-40B4-BE49-F238E27FC236}">
+                <a16:creationId xmlns:a16="http://schemas.microsoft.com/office/drawing/2014/main" id="{7532EB9E-373E-4B05-9451-1F51AEB63046}"/>
+              </a:ext>
+            </a:extLst>
+          </p:cNvPr>
+          <p:cNvSpPr>
+            <a:spLocks noGrp="1"/>
+          </p:cNvSpPr>
+          <p:nvPr>
+            <p:ph type="sldNum" sz="quarter" idx="12"/>
+          </p:nvPr>
+        </p:nvSpPr>
+        <p:spPr/>
+        <p:txBody>
+          <a:bodyPr/>
+          <a:lstStyle/>
+          <a:p>
+            <a:fld id="{8FDF5A0B-092E-43F4-8C23-254F89D7A848}" type="slidenum">
+              <a:rPr lang="en-US" smtClean="0"/>
+              <a:t>30</a:t>
+            </a:fld>
+            <a:endParaRPr lang="en-US"/>
+          </a:p>
+        </p:txBody>
+      </p:sp>
     </p:spTree>
     <p:extLst>
       <p:ext uri="{BB962C8B-B14F-4D97-AF65-F5344CB8AC3E}">
@@ -30385,6 +31092,35 @@
           </a:p>
         </p:txBody>
       </p:sp>
+      <p:sp>
+        <p:nvSpPr>
+          <p:cNvPr id="7" name="Slide Number Placeholder 6">
+            <a:extLst>
+              <a:ext uri="{FF2B5EF4-FFF2-40B4-BE49-F238E27FC236}">
+                <a16:creationId xmlns:a16="http://schemas.microsoft.com/office/drawing/2014/main" id="{843E6760-93AD-488A-A284-A8889A0F5DE0}"/>
+              </a:ext>
+            </a:extLst>
+          </p:cNvPr>
+          <p:cNvSpPr>
+            <a:spLocks noGrp="1"/>
+          </p:cNvSpPr>
+          <p:nvPr>
+            <p:ph type="sldNum" sz="quarter" idx="12"/>
+          </p:nvPr>
+        </p:nvSpPr>
+        <p:spPr/>
+        <p:txBody>
+          <a:bodyPr/>
+          <a:lstStyle/>
+          <a:p>
+            <a:fld id="{8FDF5A0B-092E-43F4-8C23-254F89D7A848}" type="slidenum">
+              <a:rPr lang="en-US" smtClean="0"/>
+              <a:t>31</a:t>
+            </a:fld>
+            <a:endParaRPr lang="en-US"/>
+          </a:p>
+        </p:txBody>
+      </p:sp>
     </p:spTree>
     <p:extLst>
       <p:ext uri="{BB962C8B-B14F-4D97-AF65-F5344CB8AC3E}">
@@ -30497,6 +31233,35 @@
               <a:rPr lang="en-US" sz="4000" dirty="0"/>
               <a:t>…to maximize mining-revenues.</a:t>
             </a:r>
+          </a:p>
+        </p:txBody>
+      </p:sp>
+      <p:sp>
+        <p:nvSpPr>
+          <p:cNvPr id="4" name="Slide Number Placeholder 3">
+            <a:extLst>
+              <a:ext uri="{FF2B5EF4-FFF2-40B4-BE49-F238E27FC236}">
+                <a16:creationId xmlns:a16="http://schemas.microsoft.com/office/drawing/2014/main" id="{DAC15C16-7BB7-4BE5-8A3A-74C70726882D}"/>
+              </a:ext>
+            </a:extLst>
+          </p:cNvPr>
+          <p:cNvSpPr>
+            <a:spLocks noGrp="1"/>
+          </p:cNvSpPr>
+          <p:nvPr>
+            <p:ph type="sldNum" sz="quarter" idx="12"/>
+          </p:nvPr>
+        </p:nvSpPr>
+        <p:spPr/>
+        <p:txBody>
+          <a:bodyPr/>
+          <a:lstStyle/>
+          <a:p>
+            <a:fld id="{8FDF5A0B-092E-43F4-8C23-254F89D7A848}" type="slidenum">
+              <a:rPr lang="en-US" smtClean="0"/>
+              <a:t>32</a:t>
+            </a:fld>
+            <a:endParaRPr lang="en-US"/>
           </a:p>
         </p:txBody>
       </p:sp>
@@ -31943,6 +32708,35 @@
           </a:fontRef>
         </p:style>
       </p:cxnSp>
+      <p:sp>
+        <p:nvSpPr>
+          <p:cNvPr id="3" name="Slide Number Placeholder 2">
+            <a:extLst>
+              <a:ext uri="{FF2B5EF4-FFF2-40B4-BE49-F238E27FC236}">
+                <a16:creationId xmlns:a16="http://schemas.microsoft.com/office/drawing/2014/main" id="{6B454888-C0E9-4F16-8146-72465CFBF8CD}"/>
+              </a:ext>
+            </a:extLst>
+          </p:cNvPr>
+          <p:cNvSpPr>
+            <a:spLocks noGrp="1"/>
+          </p:cNvSpPr>
+          <p:nvPr>
+            <p:ph type="sldNum" sz="quarter" idx="12"/>
+          </p:nvPr>
+        </p:nvSpPr>
+        <p:spPr/>
+        <p:txBody>
+          <a:bodyPr/>
+          <a:lstStyle/>
+          <a:p>
+            <a:fld id="{8FDF5A0B-092E-43F4-8C23-254F89D7A848}" type="slidenum">
+              <a:rPr lang="en-US" smtClean="0"/>
+              <a:t>33</a:t>
+            </a:fld>
+            <a:endParaRPr lang="en-US"/>
+          </a:p>
+        </p:txBody>
+      </p:sp>
     </p:spTree>
     <p:extLst>
       <p:ext uri="{BB962C8B-B14F-4D97-AF65-F5344CB8AC3E}">
@@ -32311,6 +33105,35 @@
               <a:rPr lang="en-US" sz="2800" dirty="0"/>
               <a:t>.</a:t>
             </a:r>
+          </a:p>
+        </p:txBody>
+      </p:sp>
+      <p:sp>
+        <p:nvSpPr>
+          <p:cNvPr id="3" name="Slide Number Placeholder 2">
+            <a:extLst>
+              <a:ext uri="{FF2B5EF4-FFF2-40B4-BE49-F238E27FC236}">
+                <a16:creationId xmlns:a16="http://schemas.microsoft.com/office/drawing/2014/main" id="{E6907199-721A-4F39-86C4-5C8AA95E5901}"/>
+              </a:ext>
+            </a:extLst>
+          </p:cNvPr>
+          <p:cNvSpPr>
+            <a:spLocks noGrp="1"/>
+          </p:cNvSpPr>
+          <p:nvPr>
+            <p:ph type="sldNum" sz="quarter" idx="12"/>
+          </p:nvPr>
+        </p:nvSpPr>
+        <p:spPr/>
+        <p:txBody>
+          <a:bodyPr/>
+          <a:lstStyle/>
+          <a:p>
+            <a:fld id="{8FDF5A0B-092E-43F4-8C23-254F89D7A848}" type="slidenum">
+              <a:rPr lang="en-US" smtClean="0"/>
+              <a:t>34</a:t>
+            </a:fld>
+            <a:endParaRPr lang="en-US"/>
           </a:p>
         </p:txBody>
       </p:sp>
@@ -33814,6 +34637,35 @@
           </a:p>
         </p:txBody>
       </p:sp>
+      <p:sp>
+        <p:nvSpPr>
+          <p:cNvPr id="7" name="Slide Number Placeholder 6">
+            <a:extLst>
+              <a:ext uri="{FF2B5EF4-FFF2-40B4-BE49-F238E27FC236}">
+                <a16:creationId xmlns:a16="http://schemas.microsoft.com/office/drawing/2014/main" id="{9BE1C990-F452-4C41-8B33-B40CB4983A5D}"/>
+              </a:ext>
+            </a:extLst>
+          </p:cNvPr>
+          <p:cNvSpPr>
+            <a:spLocks noGrp="1"/>
+          </p:cNvSpPr>
+          <p:nvPr>
+            <p:ph type="sldNum" sz="quarter" idx="12"/>
+          </p:nvPr>
+        </p:nvSpPr>
+        <p:spPr/>
+        <p:txBody>
+          <a:bodyPr/>
+          <a:lstStyle/>
+          <a:p>
+            <a:fld id="{8FDF5A0B-092E-43F4-8C23-254F89D7A848}" type="slidenum">
+              <a:rPr lang="en-US" smtClean="0"/>
+              <a:t>35</a:t>
+            </a:fld>
+            <a:endParaRPr lang="en-US"/>
+          </a:p>
+        </p:txBody>
+      </p:sp>
     </p:spTree>
     <p:extLst>
       <p:ext uri="{BB962C8B-B14F-4D97-AF65-F5344CB8AC3E}">
@@ -33993,6 +34845,35 @@
               <a:rPr lang="en-US" dirty="0"/>
               <a:t>Prediction Markets ( BitcoinHivemind.com ) </a:t>
             </a:r>
+          </a:p>
+        </p:txBody>
+      </p:sp>
+      <p:sp>
+        <p:nvSpPr>
+          <p:cNvPr id="4" name="Slide Number Placeholder 3">
+            <a:extLst>
+              <a:ext uri="{FF2B5EF4-FFF2-40B4-BE49-F238E27FC236}">
+                <a16:creationId xmlns:a16="http://schemas.microsoft.com/office/drawing/2014/main" id="{78480591-6B75-4E57-8594-B6FA2550975A}"/>
+              </a:ext>
+            </a:extLst>
+          </p:cNvPr>
+          <p:cNvSpPr>
+            <a:spLocks noGrp="1"/>
+          </p:cNvSpPr>
+          <p:nvPr>
+            <p:ph type="sldNum" sz="quarter" idx="12"/>
+          </p:nvPr>
+        </p:nvSpPr>
+        <p:spPr/>
+        <p:txBody>
+          <a:bodyPr/>
+          <a:lstStyle/>
+          <a:p>
+            <a:fld id="{8FDF5A0B-092E-43F4-8C23-254F89D7A848}" type="slidenum">
+              <a:rPr lang="en-US" smtClean="0"/>
+              <a:t>36</a:t>
+            </a:fld>
+            <a:endParaRPr lang="en-US"/>
           </a:p>
         </p:txBody>
       </p:sp>
@@ -34136,6 +35017,35 @@
           </a:p>
         </p:txBody>
       </p:sp>
+      <p:sp>
+        <p:nvSpPr>
+          <p:cNvPr id="3" name="Slide Number Placeholder 2">
+            <a:extLst>
+              <a:ext uri="{FF2B5EF4-FFF2-40B4-BE49-F238E27FC236}">
+                <a16:creationId xmlns:a16="http://schemas.microsoft.com/office/drawing/2014/main" id="{B13DADD9-3D4D-44CE-960A-287FB0A1E95B}"/>
+              </a:ext>
+            </a:extLst>
+          </p:cNvPr>
+          <p:cNvSpPr>
+            <a:spLocks noGrp="1"/>
+          </p:cNvSpPr>
+          <p:nvPr>
+            <p:ph type="sldNum" sz="quarter" idx="12"/>
+          </p:nvPr>
+        </p:nvSpPr>
+        <p:spPr/>
+        <p:txBody>
+          <a:bodyPr/>
+          <a:lstStyle/>
+          <a:p>
+            <a:fld id="{8FDF5A0B-092E-43F4-8C23-254F89D7A848}" type="slidenum">
+              <a:rPr lang="en-US" smtClean="0"/>
+              <a:t>37</a:t>
+            </a:fld>
+            <a:endParaRPr lang="en-US"/>
+          </a:p>
+        </p:txBody>
+      </p:sp>
     </p:spTree>
     <p:extLst>
       <p:ext uri="{BB962C8B-B14F-4D97-AF65-F5344CB8AC3E}">
@@ -34319,6 +35229,35 @@
           </a:effectLst>
         </p:spPr>
       </p:pic>
+      <p:sp>
+        <p:nvSpPr>
+          <p:cNvPr id="3" name="Slide Number Placeholder 2">
+            <a:extLst>
+              <a:ext uri="{FF2B5EF4-FFF2-40B4-BE49-F238E27FC236}">
+                <a16:creationId xmlns:a16="http://schemas.microsoft.com/office/drawing/2014/main" id="{9FA15530-F253-4BAC-B433-C4138AF39DEA}"/>
+              </a:ext>
+            </a:extLst>
+          </p:cNvPr>
+          <p:cNvSpPr>
+            <a:spLocks noGrp="1"/>
+          </p:cNvSpPr>
+          <p:nvPr>
+            <p:ph type="sldNum" sz="quarter" idx="12"/>
+          </p:nvPr>
+        </p:nvSpPr>
+        <p:spPr/>
+        <p:txBody>
+          <a:bodyPr/>
+          <a:lstStyle/>
+          <a:p>
+            <a:fld id="{8FDF5A0B-092E-43F4-8C23-254F89D7A848}" type="slidenum">
+              <a:rPr lang="en-US" smtClean="0"/>
+              <a:t>38</a:t>
+            </a:fld>
+            <a:endParaRPr lang="en-US"/>
+          </a:p>
+        </p:txBody>
+      </p:sp>
     </p:spTree>
     <p:extLst>
       <p:ext uri="{BB962C8B-B14F-4D97-AF65-F5344CB8AC3E}">
@@ -34535,6 +35474,35 @@
           </a:extLst>
         </p:spPr>
       </p:pic>
+      <p:sp>
+        <p:nvSpPr>
+          <p:cNvPr id="6" name="Slide Number Placeholder 5">
+            <a:extLst>
+              <a:ext uri="{FF2B5EF4-FFF2-40B4-BE49-F238E27FC236}">
+                <a16:creationId xmlns:a16="http://schemas.microsoft.com/office/drawing/2014/main" id="{22A428D4-6230-494A-A548-5408D3FFA4D3}"/>
+              </a:ext>
+            </a:extLst>
+          </p:cNvPr>
+          <p:cNvSpPr>
+            <a:spLocks noGrp="1"/>
+          </p:cNvSpPr>
+          <p:nvPr>
+            <p:ph type="sldNum" sz="quarter" idx="12"/>
+          </p:nvPr>
+        </p:nvSpPr>
+        <p:spPr/>
+        <p:txBody>
+          <a:bodyPr/>
+          <a:lstStyle/>
+          <a:p>
+            <a:fld id="{8FDF5A0B-092E-43F4-8C23-254F89D7A848}" type="slidenum">
+              <a:rPr lang="en-US" smtClean="0"/>
+              <a:t>39</a:t>
+            </a:fld>
+            <a:endParaRPr lang="en-US"/>
+          </a:p>
+        </p:txBody>
+      </p:sp>
     </p:spTree>
     <p:extLst>
       <p:ext uri="{BB962C8B-B14F-4D97-AF65-F5344CB8AC3E}">
@@ -34805,6 +35773,35 @@
           </a:graphicData>
         </a:graphic>
       </p:graphicFrame>
+      <p:sp>
+        <p:nvSpPr>
+          <p:cNvPr id="3" name="Slide Number Placeholder 2">
+            <a:extLst>
+              <a:ext uri="{FF2B5EF4-FFF2-40B4-BE49-F238E27FC236}">
+                <a16:creationId xmlns:a16="http://schemas.microsoft.com/office/drawing/2014/main" id="{C9F3D204-EBB7-4B77-9B13-A911D5945580}"/>
+              </a:ext>
+            </a:extLst>
+          </p:cNvPr>
+          <p:cNvSpPr>
+            <a:spLocks noGrp="1"/>
+          </p:cNvSpPr>
+          <p:nvPr>
+            <p:ph type="sldNum" sz="quarter" idx="12"/>
+          </p:nvPr>
+        </p:nvSpPr>
+        <p:spPr/>
+        <p:txBody>
+          <a:bodyPr/>
+          <a:lstStyle/>
+          <a:p>
+            <a:fld id="{8FDF5A0B-092E-43F4-8C23-254F89D7A848}" type="slidenum">
+              <a:rPr lang="en-US" smtClean="0"/>
+              <a:t>4</a:t>
+            </a:fld>
+            <a:endParaRPr lang="en-US"/>
+          </a:p>
+        </p:txBody>
+      </p:sp>
     </p:spTree>
     <p:extLst>
       <p:ext uri="{BB962C8B-B14F-4D97-AF65-F5344CB8AC3E}">
@@ -34924,6 +35921,35 @@
               </a:rPr>
               <a:t>Thank You</a:t>
             </a:r>
+          </a:p>
+        </p:txBody>
+      </p:sp>
+      <p:sp>
+        <p:nvSpPr>
+          <p:cNvPr id="3" name="Slide Number Placeholder 2">
+            <a:extLst>
+              <a:ext uri="{FF2B5EF4-FFF2-40B4-BE49-F238E27FC236}">
+                <a16:creationId xmlns:a16="http://schemas.microsoft.com/office/drawing/2014/main" id="{42BE6FD0-7B7B-4CA8-A057-7E1E27B7862B}"/>
+              </a:ext>
+            </a:extLst>
+          </p:cNvPr>
+          <p:cNvSpPr>
+            <a:spLocks noGrp="1"/>
+          </p:cNvSpPr>
+          <p:nvPr>
+            <p:ph type="sldNum" sz="quarter" idx="12"/>
+          </p:nvPr>
+        </p:nvSpPr>
+        <p:spPr/>
+        <p:txBody>
+          <a:bodyPr/>
+          <a:lstStyle/>
+          <a:p>
+            <a:fld id="{8FDF5A0B-092E-43F4-8C23-254F89D7A848}" type="slidenum">
+              <a:rPr lang="en-US" smtClean="0"/>
+              <a:t>40</a:t>
+            </a:fld>
+            <a:endParaRPr lang="en-US"/>
           </a:p>
         </p:txBody>
       </p:sp>
@@ -35495,6 +36521,35 @@
           </a:fontRef>
         </p:style>
       </p:cxnSp>
+      <p:sp>
+        <p:nvSpPr>
+          <p:cNvPr id="5" name="Slide Number Placeholder 4">
+            <a:extLst>
+              <a:ext uri="{FF2B5EF4-FFF2-40B4-BE49-F238E27FC236}">
+                <a16:creationId xmlns:a16="http://schemas.microsoft.com/office/drawing/2014/main" id="{A4E040AE-5B98-4095-9995-4685907F51B7}"/>
+              </a:ext>
+            </a:extLst>
+          </p:cNvPr>
+          <p:cNvSpPr>
+            <a:spLocks noGrp="1"/>
+          </p:cNvSpPr>
+          <p:nvPr>
+            <p:ph type="sldNum" sz="quarter" idx="12"/>
+          </p:nvPr>
+        </p:nvSpPr>
+        <p:spPr/>
+        <p:txBody>
+          <a:bodyPr/>
+          <a:lstStyle/>
+          <a:p>
+            <a:fld id="{8FDF5A0B-092E-43F4-8C23-254F89D7A848}" type="slidenum">
+              <a:rPr lang="en-US" smtClean="0"/>
+              <a:t>5</a:t>
+            </a:fld>
+            <a:endParaRPr lang="en-US"/>
+          </a:p>
+        </p:txBody>
+      </p:sp>
     </p:spTree>
     <p:extLst>
       <p:ext uri="{BB962C8B-B14F-4D97-AF65-F5344CB8AC3E}">
@@ -37186,6 +38241,35 @@
               <a:rPr lang="en-US" sz="2800" dirty="0"/>
               <a:t>BTC</a:t>
             </a:r>
+          </a:p>
+        </p:txBody>
+      </p:sp>
+      <p:sp>
+        <p:nvSpPr>
+          <p:cNvPr id="3" name="Slide Number Placeholder 2">
+            <a:extLst>
+              <a:ext uri="{FF2B5EF4-FFF2-40B4-BE49-F238E27FC236}">
+                <a16:creationId xmlns:a16="http://schemas.microsoft.com/office/drawing/2014/main" id="{97E9F856-B404-4B8F-ABA3-166CF704CACE}"/>
+              </a:ext>
+            </a:extLst>
+          </p:cNvPr>
+          <p:cNvSpPr>
+            <a:spLocks noGrp="1"/>
+          </p:cNvSpPr>
+          <p:nvPr>
+            <p:ph type="sldNum" sz="quarter" idx="12"/>
+          </p:nvPr>
+        </p:nvSpPr>
+        <p:spPr/>
+        <p:txBody>
+          <a:bodyPr/>
+          <a:lstStyle/>
+          <a:p>
+            <a:fld id="{8FDF5A0B-092E-43F4-8C23-254F89D7A848}" type="slidenum">
+              <a:rPr lang="en-US" smtClean="0"/>
+              <a:t>6</a:t>
+            </a:fld>
+            <a:endParaRPr lang="en-US"/>
           </a:p>
         </p:txBody>
       </p:sp>
@@ -37259,6 +38343,35 @@
           </a:p>
         </p:txBody>
       </p:sp>
+      <p:sp>
+        <p:nvSpPr>
+          <p:cNvPr id="3" name="Slide Number Placeholder 2">
+            <a:extLst>
+              <a:ext uri="{FF2B5EF4-FFF2-40B4-BE49-F238E27FC236}">
+                <a16:creationId xmlns:a16="http://schemas.microsoft.com/office/drawing/2014/main" id="{41A5BE5B-A472-41FC-8410-779CDEE5270F}"/>
+              </a:ext>
+            </a:extLst>
+          </p:cNvPr>
+          <p:cNvSpPr>
+            <a:spLocks noGrp="1"/>
+          </p:cNvSpPr>
+          <p:nvPr>
+            <p:ph type="sldNum" sz="quarter" idx="12"/>
+          </p:nvPr>
+        </p:nvSpPr>
+        <p:spPr/>
+        <p:txBody>
+          <a:bodyPr/>
+          <a:lstStyle/>
+          <a:p>
+            <a:fld id="{8FDF5A0B-092E-43F4-8C23-254F89D7A848}" type="slidenum">
+              <a:rPr lang="en-US" smtClean="0"/>
+              <a:t>7</a:t>
+            </a:fld>
+            <a:endParaRPr lang="en-US"/>
+          </a:p>
+        </p:txBody>
+      </p:sp>
     </p:spTree>
     <p:extLst>
       <p:ext uri="{BB962C8B-B14F-4D97-AF65-F5344CB8AC3E}">
@@ -37418,6 +38531,35 @@
               <a:rPr lang="en-US" sz="3600" dirty="0"/>
               <a:t>1. Start with Bitcoin Core</a:t>
             </a:r>
+          </a:p>
+        </p:txBody>
+      </p:sp>
+      <p:sp>
+        <p:nvSpPr>
+          <p:cNvPr id="3" name="Slide Number Placeholder 2">
+            <a:extLst>
+              <a:ext uri="{FF2B5EF4-FFF2-40B4-BE49-F238E27FC236}">
+                <a16:creationId xmlns:a16="http://schemas.microsoft.com/office/drawing/2014/main" id="{78FB4B4F-8C9D-4F48-923D-C7B90B115D65}"/>
+              </a:ext>
+            </a:extLst>
+          </p:cNvPr>
+          <p:cNvSpPr>
+            <a:spLocks noGrp="1"/>
+          </p:cNvSpPr>
+          <p:nvPr>
+            <p:ph type="sldNum" sz="quarter" idx="12"/>
+          </p:nvPr>
+        </p:nvSpPr>
+        <p:spPr/>
+        <p:txBody>
+          <a:bodyPr/>
+          <a:lstStyle/>
+          <a:p>
+            <a:fld id="{8FDF5A0B-092E-43F4-8C23-254F89D7A848}" type="slidenum">
+              <a:rPr lang="en-US" smtClean="0"/>
+              <a:t>8</a:t>
+            </a:fld>
+            <a:endParaRPr lang="en-US"/>
           </a:p>
         </p:txBody>
       </p:sp>
@@ -37574,6 +38716,35 @@
           <a:lstStyle/>
           <a:p>
             <a:pPr algn="ctr"/>
+            <a:endParaRPr lang="en-US"/>
+          </a:p>
+        </p:txBody>
+      </p:sp>
+      <p:sp>
+        <p:nvSpPr>
+          <p:cNvPr id="2" name="Slide Number Placeholder 1">
+            <a:extLst>
+              <a:ext uri="{FF2B5EF4-FFF2-40B4-BE49-F238E27FC236}">
+                <a16:creationId xmlns:a16="http://schemas.microsoft.com/office/drawing/2014/main" id="{67C817BD-C9FF-4DFC-8362-D7386AD81579}"/>
+              </a:ext>
+            </a:extLst>
+          </p:cNvPr>
+          <p:cNvSpPr>
+            <a:spLocks noGrp="1"/>
+          </p:cNvSpPr>
+          <p:nvPr>
+            <p:ph type="sldNum" sz="quarter" idx="12"/>
+          </p:nvPr>
+        </p:nvSpPr>
+        <p:spPr/>
+        <p:txBody>
+          <a:bodyPr/>
+          <a:lstStyle/>
+          <a:p>
+            <a:fld id="{8FDF5A0B-092E-43F4-8C23-254F89D7A848}" type="slidenum">
+              <a:rPr lang="en-US" smtClean="0"/>
+              <a:t>9</a:t>
+            </a:fld>
             <a:endParaRPr lang="en-US"/>
           </a:p>
         </p:txBody>
